--- a/PPT FWD TNSDC  2025.pptx
+++ b/PPT FWD TNSDC  2025.pptx
@@ -2791,7 +2791,15 @@
             </a:r>
             <a:r>
               <a:rPr lang="en-IN" sz="2400" dirty="0"/>
-              <a:t> arts and science College /</a:t>
+              <a:t> arts and science College, </a:t>
+            </a:r>
+            <a:r>
+              <a:rPr lang="en-IN" sz="2400" dirty="0" err="1"/>
+              <a:t>Bommayapalayam</a:t>
+            </a:r>
+            <a:r>
+              <a:rPr lang="en-IN" sz="2400" dirty="0"/>
+              <a:t> /</a:t>
             </a:r>
             <a:r>
               <a:rPr lang="en-IN" sz="2400" dirty="0" err="1"/>
